--- a/Y Spring data jpa.pptx
+++ b/Y Spring data jpa.pptx
@@ -13,6 +13,9 @@
     <p:sldId id="258" r:id="rId6"/>
     <p:sldId id="259" r:id="rId7"/>
     <p:sldId id="260" r:id="rId8"/>
+    <p:sldId id="261" r:id="rId9"/>
+    <p:sldId id="262" r:id="rId10"/>
+    <p:sldId id="263" r:id="rId11"/>
   </p:sldIdLst>
   <p:sldSz cx="12192000" cy="6858000"/>
   <p:notesSz cx="6858000" cy="9144000"/>
@@ -5002,11 +5005,7 @@
             </a:r>
             <a:r>
               <a:rPr lang="zh-CN" altLang="en-US"/>
-              <a:t>开发一个服务需要多长时间</a:t>
-            </a:r>
-            <a:r>
-              <a:rPr lang="zh-CN" altLang="en-US"/>
-              <a:t>，</a:t>
+              <a:t>开发一个服务需要多长时间，</a:t>
             </a:r>
             <a:r>
               <a:rPr lang="en-US" altLang="zh-CN"/>
@@ -5017,6 +5016,285 @@
               <a:t>开发一个服务需要多长时间</a:t>
             </a:r>
             <a:endParaRPr lang="zh-CN" altLang="en-US"/>
+          </a:p>
+        </p:txBody>
+      </p:sp>
+    </p:spTree>
+  </p:cSld>
+  <p:clrMapOvr>
+    <a:masterClrMapping/>
+  </p:clrMapOvr>
+</p:sld>
+</file>
+
+<file path=ppt/slides/slide6.xml><?xml version="1.0" encoding="utf-8"?>
+<p:sld xmlns:a="http://schemas.openxmlformats.org/drawingml/2006/main" xmlns:r="http://schemas.openxmlformats.org/officeDocument/2006/relationships" xmlns:p="http://schemas.openxmlformats.org/presentationml/2006/main">
+  <p:cSld>
+    <p:spTree>
+      <p:nvGrpSpPr>
+        <p:cNvPr id="1" name=""/>
+        <p:cNvGrpSpPr/>
+        <p:nvPr/>
+      </p:nvGrpSpPr>
+      <p:grpSpPr/>
+      <p:sp>
+        <p:nvSpPr>
+          <p:cNvPr id="2" name="标题 1"/>
+          <p:cNvSpPr>
+            <a:spLocks noGrp="1"/>
+          </p:cNvSpPr>
+          <p:nvPr>
+            <p:ph type="title"/>
+          </p:nvPr>
+        </p:nvSpPr>
+        <p:spPr/>
+        <p:txBody>
+          <a:bodyPr/>
+          <a:p>
+            <a:r>
+              <a:rPr lang="en-US" altLang="zh-CN"/>
+              <a:t>Sample</a:t>
+            </a:r>
+            <a:endParaRPr lang="en-US" altLang="zh-CN"/>
+          </a:p>
+        </p:txBody>
+      </p:sp>
+      <p:sp>
+        <p:nvSpPr>
+          <p:cNvPr id="3" name="内容占位符 2"/>
+          <p:cNvSpPr>
+            <a:spLocks noGrp="1"/>
+          </p:cNvSpPr>
+          <p:nvPr>
+            <p:ph idx="1"/>
+          </p:nvPr>
+        </p:nvSpPr>
+        <p:spPr/>
+        <p:txBody>
+          <a:bodyPr/>
+          <a:p>
+            <a:r>
+              <a:rPr lang="en-US" altLang="zh-CN"/>
+              <a:t>step1.create a simple service</a:t>
+            </a:r>
+            <a:endParaRPr lang="en-US" altLang="zh-CN"/>
+          </a:p>
+          <a:p>
+            <a:endParaRPr lang="en-US" altLang="zh-CN"/>
+          </a:p>
+          <a:p>
+            <a:r>
+              <a:rPr lang="en-US" altLang="zh-CN"/>
+              <a:t>key:</a:t>
+            </a:r>
+            <a:endParaRPr lang="en-US" altLang="zh-CN"/>
+          </a:p>
+          <a:p>
+            <a:r>
+              <a:rPr lang="en-US" altLang="zh-CN"/>
+              <a:t>1.modify server port</a:t>
+            </a:r>
+            <a:endParaRPr lang="en-US" altLang="zh-CN"/>
+          </a:p>
+          <a:p>
+            <a:r>
+              <a:rPr lang="en-US" altLang="zh-CN"/>
+              <a:t>2.build.gradle-&gt;nexus</a:t>
+            </a:r>
+            <a:endParaRPr lang="en-US" altLang="zh-CN"/>
+          </a:p>
+          <a:p>
+            <a:r>
+              <a:rPr lang="en-US" altLang="zh-CN"/>
+              <a:t>3.spring-boot-starter</a:t>
+            </a:r>
+            <a:endParaRPr lang="en-US" altLang="zh-CN"/>
+          </a:p>
+        </p:txBody>
+      </p:sp>
+    </p:spTree>
+  </p:cSld>
+  <p:clrMapOvr>
+    <a:masterClrMapping/>
+  </p:clrMapOvr>
+</p:sld>
+</file>
+
+<file path=ppt/slides/slide7.xml><?xml version="1.0" encoding="utf-8"?>
+<p:sld xmlns:a="http://schemas.openxmlformats.org/drawingml/2006/main" xmlns:r="http://schemas.openxmlformats.org/officeDocument/2006/relationships" xmlns:p="http://schemas.openxmlformats.org/presentationml/2006/main">
+  <p:cSld>
+    <p:spTree>
+      <p:nvGrpSpPr>
+        <p:cNvPr id="1" name=""/>
+        <p:cNvGrpSpPr/>
+        <p:nvPr/>
+      </p:nvGrpSpPr>
+      <p:grpSpPr/>
+      <p:sp>
+        <p:nvSpPr>
+          <p:cNvPr id="2" name="标题 1"/>
+          <p:cNvSpPr>
+            <a:spLocks noGrp="1"/>
+          </p:cNvSpPr>
+          <p:nvPr>
+            <p:ph type="title"/>
+          </p:nvPr>
+        </p:nvSpPr>
+        <p:spPr/>
+        <p:txBody>
+          <a:bodyPr/>
+          <a:p>
+            <a:r>
+              <a:rPr lang="en-US" altLang="zh-CN"/>
+              <a:t>Sample</a:t>
+            </a:r>
+            <a:endParaRPr lang="en-US" altLang="zh-CN"/>
+          </a:p>
+        </p:txBody>
+      </p:sp>
+      <p:sp>
+        <p:nvSpPr>
+          <p:cNvPr id="3" name="内容占位符 2"/>
+          <p:cNvSpPr>
+            <a:spLocks noGrp="1"/>
+          </p:cNvSpPr>
+          <p:nvPr>
+            <p:ph idx="1"/>
+          </p:nvPr>
+        </p:nvSpPr>
+        <p:spPr/>
+        <p:txBody>
+          <a:bodyPr/>
+          <a:p>
+            <a:r>
+              <a:rPr lang="en-US" altLang="zh-CN"/>
+              <a:t>step2.change to a web server</a:t>
+            </a:r>
+            <a:endParaRPr lang="en-US" altLang="zh-CN"/>
+          </a:p>
+          <a:p>
+            <a:endParaRPr lang="en-US" altLang="zh-CN"/>
+          </a:p>
+          <a:p>
+            <a:r>
+              <a:rPr lang="en-US" altLang="zh-CN"/>
+              <a:t>key:</a:t>
+            </a:r>
+            <a:endParaRPr lang="en-US" altLang="zh-CN"/>
+          </a:p>
+          <a:p>
+            <a:r>
+              <a:rPr lang="en-US" altLang="zh-CN"/>
+              <a:t>1.spring-boot-starter-web</a:t>
+            </a:r>
+            <a:endParaRPr lang="en-US" altLang="zh-CN"/>
+          </a:p>
+          <a:p>
+            <a:r>
+              <a:rPr lang="en-US" altLang="zh-CN"/>
+              <a:t>2.@RestController@RestMapping</a:t>
+            </a:r>
+            <a:endParaRPr lang="en-US" altLang="zh-CN"/>
+          </a:p>
+        </p:txBody>
+      </p:sp>
+    </p:spTree>
+  </p:cSld>
+  <p:clrMapOvr>
+    <a:masterClrMapping/>
+  </p:clrMapOvr>
+</p:sld>
+</file>
+
+<file path=ppt/slides/slide8.xml><?xml version="1.0" encoding="utf-8"?>
+<p:sld xmlns:a="http://schemas.openxmlformats.org/drawingml/2006/main" xmlns:r="http://schemas.openxmlformats.org/officeDocument/2006/relationships" xmlns:p="http://schemas.openxmlformats.org/presentationml/2006/main">
+  <p:cSld>
+    <p:spTree>
+      <p:nvGrpSpPr>
+        <p:cNvPr id="1" name=""/>
+        <p:cNvGrpSpPr/>
+        <p:nvPr/>
+      </p:nvGrpSpPr>
+      <p:grpSpPr/>
+      <p:sp>
+        <p:nvSpPr>
+          <p:cNvPr id="2" name="标题 1"/>
+          <p:cNvSpPr>
+            <a:spLocks noGrp="1"/>
+          </p:cNvSpPr>
+          <p:nvPr>
+            <p:ph type="title"/>
+          </p:nvPr>
+        </p:nvSpPr>
+        <p:spPr/>
+        <p:txBody>
+          <a:bodyPr/>
+          <a:p>
+            <a:r>
+              <a:rPr lang="en-US" altLang="zh-CN"/>
+              <a:t>Sample</a:t>
+            </a:r>
+            <a:endParaRPr lang="en-US" altLang="zh-CN"/>
+          </a:p>
+        </p:txBody>
+      </p:sp>
+      <p:sp>
+        <p:nvSpPr>
+          <p:cNvPr id="3" name="内容占位符 2"/>
+          <p:cNvSpPr>
+            <a:spLocks noGrp="1"/>
+          </p:cNvSpPr>
+          <p:nvPr>
+            <p:ph idx="1"/>
+          </p:nvPr>
+        </p:nvSpPr>
+        <p:spPr/>
+        <p:txBody>
+          <a:bodyPr/>
+          <a:p>
+            <a:r>
+              <a:rPr lang="en-US" altLang="zh-CN"/>
+              <a:t>step3.ORM with spring-data-jpa</a:t>
+            </a:r>
+            <a:endParaRPr lang="en-US" altLang="zh-CN"/>
+          </a:p>
+          <a:p>
+            <a:endParaRPr lang="en-US" altLang="zh-CN"/>
+          </a:p>
+          <a:p>
+            <a:r>
+              <a:rPr lang="en-US" altLang="zh-CN"/>
+              <a:t>key:</a:t>
+            </a:r>
+            <a:endParaRPr lang="en-US" altLang="zh-CN"/>
+          </a:p>
+          <a:p>
+            <a:r>
+              <a:rPr lang="en-US" altLang="zh-CN"/>
+              <a:t>1.spring-boot-starter-data-jpa</a:t>
+            </a:r>
+            <a:endParaRPr lang="en-US" altLang="zh-CN"/>
+          </a:p>
+          <a:p>
+            <a:r>
+              <a:rPr lang="en-US" altLang="zh-CN"/>
+              <a:t>2.set db config in yaml</a:t>
+            </a:r>
+            <a:endParaRPr lang="en-US" altLang="zh-CN"/>
+          </a:p>
+          <a:p>
+            <a:r>
+              <a:rPr lang="en-US" altLang="zh-CN"/>
+              <a:t>3.define datasource with yaml</a:t>
+            </a:r>
+            <a:endParaRPr lang="en-US" altLang="zh-CN"/>
+          </a:p>
+          <a:p>
+            <a:r>
+              <a:rPr lang="en-US" altLang="zh-CN"/>
+              <a:t>4.define domain model and dao</a:t>
+            </a:r>
+            <a:endParaRPr lang="en-US" altLang="zh-CN"/>
           </a:p>
         </p:txBody>
       </p:sp>

--- a/Y Spring data jpa.pptx
+++ b/Y Spring data jpa.pptx
@@ -565,6 +565,61 @@
             <a:r>
               <a:rPr lang="en-US" altLang="zh-CN"/>
               <a:t>http://blog.csdn.net/wanghuan203/article/details/8698102</a:t>
+            </a:r>
+            <a:endParaRPr lang="en-US" altLang="zh-CN"/>
+          </a:p>
+        </p:txBody>
+      </p:sp>
+    </p:spTree>
+  </p:cSld>
+  <p:clrMapOvr>
+    <a:masterClrMapping/>
+  </p:clrMapOvr>
+</p:notes>
+</file>
+
+<file path=ppt/notesSlides/notesSlide3.xml><?xml version="1.0" encoding="utf-8"?>
+<p:notes xmlns:a="http://schemas.openxmlformats.org/drawingml/2006/main" xmlns:r="http://schemas.openxmlformats.org/officeDocument/2006/relationships" xmlns:p="http://schemas.openxmlformats.org/presentationml/2006/main">
+  <p:cSld>
+    <p:spTree>
+      <p:nvGrpSpPr>
+        <p:cNvPr id="1" name=""/>
+        <p:cNvGrpSpPr/>
+        <p:nvPr/>
+      </p:nvGrpSpPr>
+      <p:grpSpPr/>
+      <p:sp>
+        <p:nvSpPr>
+          <p:cNvPr id="2" name="幻灯片图像占位符 1"/>
+          <p:cNvSpPr/>
+          <p:nvPr>
+            <p:ph type="sldImg" idx="2"/>
+          </p:nvPr>
+        </p:nvSpPr>
+        <p:spPr/>
+      </p:sp>
+      <p:sp>
+        <p:nvSpPr>
+          <p:cNvPr id="3" name="文本占位符 2"/>
+          <p:cNvSpPr/>
+          <p:nvPr>
+            <p:ph type="body" idx="3"/>
+          </p:nvPr>
+        </p:nvSpPr>
+        <p:spPr/>
+        <p:txBody>
+          <a:bodyPr/>
+          <a:p>
+            <a:r>
+              <a:rPr lang="en-US" altLang="zh-CN"/>
+              <a:t>ref:</a:t>
+            </a:r>
+            <a:endParaRPr lang="en-US" altLang="zh-CN"/>
+          </a:p>
+          <a:p>
+            <a:r>
+              <a:rPr lang="en-US" altLang="zh-CN"/>
+              <a:t>https://www.ibm.com/developerworks/cn/opensource/os-cn-spring-jpa/</a:t>
             </a:r>
             <a:endParaRPr lang="en-US" altLang="zh-CN"/>
           </a:p>
@@ -5278,7 +5333,7 @@
           <a:p>
             <a:r>
               <a:rPr lang="en-US" altLang="zh-CN"/>
-              <a:t>2.set db config in yaml</a:t>
+              <a:t>2.set db config in property file</a:t>
             </a:r>
             <a:endParaRPr lang="en-US" altLang="zh-CN"/>
           </a:p>
